--- a/enar2020_slides.pptx
+++ b/enar2020_slides.pptx
@@ -11872,7 +11872,7 @@
           <a:p>
             <a:fld id="{C2EB7D3C-6F88-41F0-ACB5-653DE59D10D6}" type="datetimeFigureOut">
               <a:rPr lang="en-US" smtClean="0"/>
-              <a:t>6/29/2020</a:t>
+              <a:t>6/30/2020</a:t>
             </a:fld>
             <a:endParaRPr lang="en-US"/>
           </a:p>
@@ -12339,7 +12339,7 @@
           <a:p>
             <a:fld id="{2B2A1446-CA83-4ABB-B782-A3CB524F232A}" type="datetime1">
               <a:rPr lang="en-US" smtClean="0"/>
-              <a:t>6/29/2020</a:t>
+              <a:t>6/30/2020</a:t>
             </a:fld>
             <a:endParaRPr lang="en-US" dirty="0"/>
           </a:p>
@@ -12534,7 +12534,7 @@
           <a:p>
             <a:fld id="{FD5568E6-90B3-4254-B82D-91334C26A795}" type="datetime1">
               <a:rPr lang="en-US" smtClean="0"/>
-              <a:t>6/29/2020</a:t>
+              <a:t>6/30/2020</a:t>
             </a:fld>
             <a:endParaRPr lang="en-US" dirty="0"/>
           </a:p>
@@ -12718,7 +12718,7 @@
           <a:p>
             <a:fld id="{BA4E07FE-0B9B-4038-B4D0-DED121CE2E1A}" type="datetime1">
               <a:rPr lang="en-US" smtClean="0"/>
-              <a:t>6/29/2020</a:t>
+              <a:t>6/30/2020</a:t>
             </a:fld>
             <a:endParaRPr lang="en-US" dirty="0"/>
           </a:p>
@@ -12892,7 +12892,7 @@
           <a:p>
             <a:fld id="{39169503-83A9-4C00-BF15-325322688E6B}" type="datetime1">
               <a:rPr lang="en-US" smtClean="0"/>
-              <a:t>6/29/2020</a:t>
+              <a:t>6/30/2020</a:t>
             </a:fld>
             <a:endParaRPr lang="en-US" dirty="0"/>
           </a:p>
@@ -13153,7 +13153,7 @@
           <a:p>
             <a:fld id="{11682364-8D52-452F-B170-9C50CFE47A7C}" type="datetime1">
               <a:rPr lang="en-US" smtClean="0"/>
-              <a:t>6/29/2020</a:t>
+              <a:t>6/30/2020</a:t>
             </a:fld>
             <a:endParaRPr lang="en-US" dirty="0"/>
           </a:p>
@@ -13446,7 +13446,7 @@
           <a:p>
             <a:fld id="{21120EF0-B424-4AF7-BE30-A30BD73D590B}" type="datetime1">
               <a:rPr lang="en-US" smtClean="0"/>
-              <a:t>6/29/2020</a:t>
+              <a:t>6/30/2020</a:t>
             </a:fld>
             <a:endParaRPr lang="en-US" dirty="0"/>
           </a:p>
@@ -13888,7 +13888,7 @@
           <a:p>
             <a:fld id="{74FD0BE5-3C2F-4ED6-94E2-6180065EC351}" type="datetime1">
               <a:rPr lang="en-US" smtClean="0"/>
-              <a:t>6/29/2020</a:t>
+              <a:t>6/30/2020</a:t>
             </a:fld>
             <a:endParaRPr lang="en-US" dirty="0"/>
           </a:p>
@@ -14010,7 +14010,7 @@
           <a:p>
             <a:fld id="{B0F7811E-3BB5-401D-B346-A3C131915F99}" type="datetime1">
               <a:rPr lang="en-US" smtClean="0"/>
-              <a:t>6/29/2020</a:t>
+              <a:t>6/30/2020</a:t>
             </a:fld>
             <a:endParaRPr lang="en-US" dirty="0"/>
           </a:p>
@@ -14109,7 +14109,7 @@
           <a:p>
             <a:fld id="{282B42D5-E8AA-442D-83F2-1D19DB88310B}" type="datetime1">
               <a:rPr lang="en-US" smtClean="0"/>
-              <a:t>6/29/2020</a:t>
+              <a:t>6/30/2020</a:t>
             </a:fld>
             <a:endParaRPr lang="en-US" dirty="0"/>
           </a:p>
@@ -14469,7 +14469,7 @@
           <a:p>
             <a:fld id="{27CAB216-043A-4AAA-9283-214F7FE0A26C}" type="datetime1">
               <a:rPr lang="en-US" smtClean="0"/>
-              <a:t>6/29/2020</a:t>
+              <a:t>6/30/2020</a:t>
             </a:fld>
             <a:endParaRPr lang="en-US" dirty="0"/>
           </a:p>
@@ -14789,7 +14789,7 @@
           <a:p>
             <a:fld id="{D4DCD23C-A0C4-4B5B-8A92-5E8F3A325120}" type="datetime1">
               <a:rPr lang="en-US" smtClean="0"/>
-              <a:t>6/29/2020</a:t>
+              <a:t>6/30/2020</a:t>
             </a:fld>
             <a:endParaRPr lang="en-US" dirty="0"/>
           </a:p>
@@ -15026,7 +15026,7 @@
           <a:p>
             <a:fld id="{88A322A7-EE40-4BA1-A6BC-6F4A4B68168A}" type="datetime1">
               <a:rPr lang="en-US" smtClean="0"/>
-              <a:t>6/29/2020</a:t>
+              <a:t>6/30/2020</a:t>
             </a:fld>
             <a:endParaRPr lang="en-US" dirty="0"/>
           </a:p>
@@ -15491,7 +15491,31 @@
                   <a:schemeClr val="tx1"/>
                 </a:solidFill>
               </a:rPr>
-              <a:t>Bayesian methods to compare dose levels to placebo in a small n sequential multiple assignment randomized trail (</a:t>
+              <a:t>Bayesian methods to compare dose levels to placebo in a small n sequential multiple assignment </a:t>
+            </a:r>
+            <a:r>
+              <a:rPr lang="en-US" sz="4200" b="1">
+                <a:solidFill>
+                  <a:schemeClr val="tx1"/>
+                </a:solidFill>
+              </a:rPr>
+              <a:t>randomized </a:t>
+            </a:r>
+            <a:r>
+              <a:rPr lang="en-US" sz="4200" b="1" smtClean="0">
+                <a:solidFill>
+                  <a:schemeClr val="tx1"/>
+                </a:solidFill>
+              </a:rPr>
+              <a:t>trial </a:t>
+            </a:r>
+            <a:r>
+              <a:rPr lang="en-US" sz="4200" b="1" dirty="0">
+                <a:solidFill>
+                  <a:schemeClr val="tx1"/>
+                </a:solidFill>
+              </a:rPr>
+              <a:t>(</a:t>
             </a:r>
             <a:r>
               <a:rPr lang="en-US" sz="4200" b="1" dirty="0" err="1">
